--- a/525finalPres.pptx
+++ b/525finalPres.pptx
@@ -8,9 +8,14 @@
     <p:sldId id="256" r:id="rId2"/>
     <p:sldId id="257" r:id="rId3"/>
     <p:sldId id="258" r:id="rId4"/>
-    <p:sldId id="259" r:id="rId5"/>
-    <p:sldId id="260" r:id="rId6"/>
-    <p:sldId id="261" r:id="rId7"/>
+    <p:sldId id="266" r:id="rId5"/>
+    <p:sldId id="267" r:id="rId6"/>
+    <p:sldId id="259" r:id="rId7"/>
+    <p:sldId id="265" r:id="rId8"/>
+    <p:sldId id="260" r:id="rId9"/>
+    <p:sldId id="263" r:id="rId10"/>
+    <p:sldId id="264" r:id="rId11"/>
+    <p:sldId id="262" r:id="rId12"/>
   </p:sldIdLst>
   <p:sldSz cx="9144000" cy="6858000" type="screen4x3"/>
   <p:notesSz cx="6858000" cy="9144000"/>
@@ -109,6 +114,22 @@
       </a:defRPr>
     </a:lvl9pPr>
   </p:defaultTextStyle>
+  <p:extLst>
+    <p:ext uri="{EFAFB233-063F-42B5-8137-9DF3F51BA10A}">
+      <p15:sldGuideLst xmlns:p15="http://schemas.microsoft.com/office/powerpoint/2012/main">
+        <p15:guide id="1" orient="horz" pos="2160">
+          <p15:clr>
+            <a:srgbClr val="A4A3A4"/>
+          </p15:clr>
+        </p15:guide>
+        <p15:guide id="2" pos="2880">
+          <p15:clr>
+            <a:srgbClr val="A4A3A4"/>
+          </p15:clr>
+        </p15:guide>
+      </p15:sldGuideLst>
+    </p:ext>
+  </p:extLst>
 </p:presentation>
 </file>
 
@@ -293,7 +314,7 @@
           <a:p>
             <a:fld id="{F1D32C8C-09EF-4C68-9DB3-F53BA71DD700}" type="datetimeFigureOut">
               <a:rPr lang="en-US" smtClean="0"/>
-              <a:t>5/29/2014</a:t>
+              <a:t>6/4/2014</a:t>
             </a:fld>
             <a:endParaRPr lang="en-US"/>
           </a:p>
@@ -470,7 +491,7 @@
           <a:p>
             <a:fld id="{F1D32C8C-09EF-4C68-9DB3-F53BA71DD700}" type="datetimeFigureOut">
               <a:rPr lang="en-US" smtClean="0"/>
-              <a:t>5/29/2014</a:t>
+              <a:t>6/4/2014</a:t>
             </a:fld>
             <a:endParaRPr lang="en-US"/>
           </a:p>
@@ -650,7 +671,7 @@
           <a:p>
             <a:fld id="{F1D32C8C-09EF-4C68-9DB3-F53BA71DD700}" type="datetimeFigureOut">
               <a:rPr lang="en-US" smtClean="0"/>
-              <a:t>5/29/2014</a:t>
+              <a:t>6/4/2014</a:t>
             </a:fld>
             <a:endParaRPr lang="en-US"/>
           </a:p>
@@ -820,7 +841,7 @@
           <a:p>
             <a:fld id="{F1D32C8C-09EF-4C68-9DB3-F53BA71DD700}" type="datetimeFigureOut">
               <a:rPr lang="en-US" smtClean="0"/>
-              <a:t>5/29/2014</a:t>
+              <a:t>6/4/2014</a:t>
             </a:fld>
             <a:endParaRPr lang="en-US"/>
           </a:p>
@@ -1073,7 +1094,7 @@
           <a:p>
             <a:fld id="{F1D32C8C-09EF-4C68-9DB3-F53BA71DD700}" type="datetimeFigureOut">
               <a:rPr lang="en-US" smtClean="0"/>
-              <a:t>5/29/2014</a:t>
+              <a:t>6/4/2014</a:t>
             </a:fld>
             <a:endParaRPr lang="en-US"/>
           </a:p>
@@ -1361,7 +1382,7 @@
           <a:p>
             <a:fld id="{F1D32C8C-09EF-4C68-9DB3-F53BA71DD700}" type="datetimeFigureOut">
               <a:rPr lang="en-US" smtClean="0"/>
-              <a:t>5/29/2014</a:t>
+              <a:t>6/4/2014</a:t>
             </a:fld>
             <a:endParaRPr lang="en-US"/>
           </a:p>
@@ -1783,7 +1804,7 @@
           <a:p>
             <a:fld id="{F1D32C8C-09EF-4C68-9DB3-F53BA71DD700}" type="datetimeFigureOut">
               <a:rPr lang="en-US" smtClean="0"/>
-              <a:t>5/29/2014</a:t>
+              <a:t>6/4/2014</a:t>
             </a:fld>
             <a:endParaRPr lang="en-US"/>
           </a:p>
@@ -1901,7 +1922,7 @@
           <a:p>
             <a:fld id="{F1D32C8C-09EF-4C68-9DB3-F53BA71DD700}" type="datetimeFigureOut">
               <a:rPr lang="en-US" smtClean="0"/>
-              <a:t>5/29/2014</a:t>
+              <a:t>6/4/2014</a:t>
             </a:fld>
             <a:endParaRPr lang="en-US"/>
           </a:p>
@@ -1996,7 +2017,7 @@
           <a:p>
             <a:fld id="{F1D32C8C-09EF-4C68-9DB3-F53BA71DD700}" type="datetimeFigureOut">
               <a:rPr lang="en-US" smtClean="0"/>
-              <a:t>5/29/2014</a:t>
+              <a:t>6/4/2014</a:t>
             </a:fld>
             <a:endParaRPr lang="en-US"/>
           </a:p>
@@ -2273,7 +2294,7 @@
           <a:p>
             <a:fld id="{F1D32C8C-09EF-4C68-9DB3-F53BA71DD700}" type="datetimeFigureOut">
               <a:rPr lang="en-US" smtClean="0"/>
-              <a:t>5/29/2014</a:t>
+              <a:t>6/4/2014</a:t>
             </a:fld>
             <a:endParaRPr lang="en-US"/>
           </a:p>
@@ -2530,7 +2551,7 @@
           <a:p>
             <a:fld id="{F1D32C8C-09EF-4C68-9DB3-F53BA71DD700}" type="datetimeFigureOut">
               <a:rPr lang="en-US" smtClean="0"/>
-              <a:t>5/29/2014</a:t>
+              <a:t>6/4/2014</a:t>
             </a:fld>
             <a:endParaRPr lang="en-US"/>
           </a:p>
@@ -2743,7 +2764,7 @@
           <a:p>
             <a:fld id="{F1D32C8C-09EF-4C68-9DB3-F53BA71DD700}" type="datetimeFigureOut">
               <a:rPr lang="en-US" smtClean="0"/>
-              <a:t>5/29/2014</a:t>
+              <a:t>6/4/2014</a:t>
             </a:fld>
             <a:endParaRPr lang="en-US"/>
           </a:p>
@@ -3470,6 +3491,313 @@
 </p:sld>
 </file>
 
+<file path=ppt/slides/slide10.xml><?xml version="1.0" encoding="utf-8"?>
+<p:sld xmlns:a="http://schemas.openxmlformats.org/drawingml/2006/main" xmlns:r="http://schemas.openxmlformats.org/officeDocument/2006/relationships" xmlns:p="http://schemas.openxmlformats.org/presentationml/2006/main">
+  <p:cSld>
+    <p:spTree>
+      <p:nvGrpSpPr>
+        <p:cNvPr id="1" name=""/>
+        <p:cNvGrpSpPr/>
+        <p:nvPr/>
+      </p:nvGrpSpPr>
+      <p:grpSpPr>
+        <a:xfrm>
+          <a:off x="0" y="0"/>
+          <a:ext cx="0" cy="0"/>
+          <a:chOff x="0" y="0"/>
+          <a:chExt cx="0" cy="0"/>
+        </a:xfrm>
+      </p:grpSpPr>
+      <p:sp>
+        <p:nvSpPr>
+          <p:cNvPr id="2" name="Title 1"/>
+          <p:cNvSpPr>
+            <a:spLocks noGrp="1"/>
+          </p:cNvSpPr>
+          <p:nvPr>
+            <p:ph type="title"/>
+          </p:nvPr>
+        </p:nvSpPr>
+        <p:spPr/>
+        <p:txBody>
+          <a:bodyPr/>
+          <a:lstStyle/>
+          <a:p>
+            <a:pPr algn="l"/>
+            <a:r>
+              <a:rPr lang="en-US" dirty="0" smtClean="0"/>
+              <a:t>Future Work</a:t>
+            </a:r>
+            <a:endParaRPr lang="en-US" dirty="0"/>
+          </a:p>
+        </p:txBody>
+      </p:sp>
+      <p:sp>
+        <p:nvSpPr>
+          <p:cNvPr id="3" name="Content Placeholder 2"/>
+          <p:cNvSpPr>
+            <a:spLocks noGrp="1"/>
+          </p:cNvSpPr>
+          <p:nvPr>
+            <p:ph idx="1"/>
+          </p:nvPr>
+        </p:nvSpPr>
+        <p:spPr/>
+        <p:txBody>
+          <a:bodyPr>
+            <a:normAutofit/>
+          </a:bodyPr>
+          <a:lstStyle/>
+          <a:p>
+            <a:r>
+              <a:rPr lang="en-US" sz="3600" dirty="0" smtClean="0"/>
+              <a:t>Test visual feedback with seniors</a:t>
+            </a:r>
+          </a:p>
+          <a:p>
+            <a:r>
+              <a:rPr lang="en-US" sz="3600" dirty="0" smtClean="0"/>
+              <a:t>Incorporate reciprocity</a:t>
+            </a:r>
+          </a:p>
+          <a:p>
+            <a:r>
+              <a:rPr lang="en-US" sz="3600" dirty="0" smtClean="0"/>
+              <a:t>Add other communication platforms</a:t>
+            </a:r>
+          </a:p>
+          <a:p>
+            <a:r>
+              <a:rPr lang="en-US" sz="3600" dirty="0" smtClean="0"/>
+              <a:t>Create setup wizard for quick modifications</a:t>
+            </a:r>
+            <a:endParaRPr lang="en-US" sz="3600" dirty="0"/>
+          </a:p>
+        </p:txBody>
+      </p:sp>
+    </p:spTree>
+    <p:extLst>
+      <p:ext uri="{BB962C8B-B14F-4D97-AF65-F5344CB8AC3E}">
+        <p14:creationId xmlns:p14="http://schemas.microsoft.com/office/powerpoint/2010/main" val="3592758647"/>
+      </p:ext>
+    </p:extLst>
+  </p:cSld>
+  <p:clrMapOvr>
+    <a:masterClrMapping/>
+  </p:clrMapOvr>
+</p:sld>
+</file>
+
+<file path=ppt/slides/slide11.xml><?xml version="1.0" encoding="utf-8"?>
+<p:sld xmlns:a="http://schemas.openxmlformats.org/drawingml/2006/main" xmlns:r="http://schemas.openxmlformats.org/officeDocument/2006/relationships" xmlns:p="http://schemas.openxmlformats.org/presentationml/2006/main">
+  <p:cSld>
+    <p:spTree>
+      <p:nvGrpSpPr>
+        <p:cNvPr id="1" name=""/>
+        <p:cNvGrpSpPr/>
+        <p:nvPr/>
+      </p:nvGrpSpPr>
+      <p:grpSpPr>
+        <a:xfrm>
+          <a:off x="0" y="0"/>
+          <a:ext cx="0" cy="0"/>
+          <a:chOff x="0" y="0"/>
+          <a:chExt cx="0" cy="0"/>
+        </a:xfrm>
+      </p:grpSpPr>
+      <p:sp>
+        <p:nvSpPr>
+          <p:cNvPr id="2" name="Title 1"/>
+          <p:cNvSpPr>
+            <a:spLocks noGrp="1"/>
+          </p:cNvSpPr>
+          <p:nvPr>
+            <p:ph type="title"/>
+          </p:nvPr>
+        </p:nvSpPr>
+        <p:spPr/>
+        <p:txBody>
+          <a:bodyPr/>
+          <a:lstStyle/>
+          <a:p>
+            <a:r>
+              <a:rPr lang="en-US" dirty="0" smtClean="0"/>
+              <a:t>References</a:t>
+            </a:r>
+            <a:endParaRPr lang="en-US" dirty="0"/>
+          </a:p>
+        </p:txBody>
+      </p:sp>
+      <p:sp>
+        <p:nvSpPr>
+          <p:cNvPr id="3" name="Content Placeholder 2"/>
+          <p:cNvSpPr>
+            <a:spLocks noGrp="1"/>
+          </p:cNvSpPr>
+          <p:nvPr>
+            <p:ph idx="1"/>
+          </p:nvPr>
+        </p:nvSpPr>
+        <p:spPr/>
+        <p:txBody>
+          <a:bodyPr>
+            <a:normAutofit fontScale="55000" lnSpcReduction="20000"/>
+          </a:bodyPr>
+          <a:lstStyle/>
+          <a:p>
+            <a:pPr algn="just"/>
+            <a:r>
+              <a:rPr lang="en-US" dirty="0" smtClean="0"/>
+              <a:t>Cornejo</a:t>
+            </a:r>
+            <a:r>
+              <a:rPr lang="en-US" dirty="0"/>
+              <a:t>, R. et al. 2013. Enriching in-person encounters through social media: A study on family connectedness for the elderly. </a:t>
+            </a:r>
+            <a:r>
+              <a:rPr lang="en-US" i="1" dirty="0"/>
+              <a:t>International Journal of Human-Computer Studies</a:t>
+            </a:r>
+            <a:r>
+              <a:rPr lang="en-US" dirty="0"/>
+              <a:t>. 71, 9 (Sep. 2013), 889–899</a:t>
+            </a:r>
+            <a:r>
+              <a:rPr lang="en-US" dirty="0" smtClean="0"/>
+              <a:t>.</a:t>
+            </a:r>
+          </a:p>
+          <a:p>
+            <a:pPr algn="just"/>
+            <a:endParaRPr lang="en-US" dirty="0" smtClean="0"/>
+          </a:p>
+          <a:p>
+            <a:pPr algn="just"/>
+            <a:r>
+              <a:rPr lang="en-US" dirty="0" err="1"/>
+              <a:t>Corsten</a:t>
+            </a:r>
+            <a:r>
+              <a:rPr lang="en-US" dirty="0"/>
+              <a:t>, C. et al. 2013. Instant User Interfaces: Repurposing Everyday Objects as Input Devices. </a:t>
+            </a:r>
+            <a:r>
+              <a:rPr lang="en-US" i="1" dirty="0"/>
+              <a:t>Proceedings of the 2013 ACM international conference on Interactive tabletops and surfaces - ITS ’13</a:t>
+            </a:r>
+            <a:r>
+              <a:rPr lang="en-US" dirty="0"/>
+              <a:t> (2013), 71–80</a:t>
+            </a:r>
+            <a:r>
+              <a:rPr lang="en-US" dirty="0" smtClean="0"/>
+              <a:t>.</a:t>
+            </a:r>
+          </a:p>
+          <a:p>
+            <a:pPr algn="just"/>
+            <a:endParaRPr lang="en-US" dirty="0" smtClean="0"/>
+          </a:p>
+          <a:p>
+            <a:pPr algn="just"/>
+            <a:r>
+              <a:rPr lang="en-US" dirty="0" smtClean="0"/>
+              <a:t>Harrison</a:t>
+            </a:r>
+            <a:r>
+              <a:rPr lang="en-US" dirty="0"/>
+              <a:t>, C. et al. 2010. </a:t>
+            </a:r>
+            <a:r>
+              <a:rPr lang="en-US" dirty="0" err="1"/>
+              <a:t>Skinput</a:t>
+            </a:r>
+            <a:r>
+              <a:rPr lang="en-US" dirty="0"/>
+              <a:t>: Appropriating the Body as an Input Surface. </a:t>
+            </a:r>
+            <a:r>
+              <a:rPr lang="en-US" i="1" dirty="0"/>
+              <a:t>ACM SIGCHI</a:t>
+            </a:r>
+            <a:r>
+              <a:rPr lang="en-US" dirty="0"/>
+              <a:t> (2010), 453–462</a:t>
+            </a:r>
+            <a:r>
+              <a:rPr lang="en-US" dirty="0" smtClean="0"/>
+              <a:t>.</a:t>
+            </a:r>
+          </a:p>
+          <a:p>
+            <a:pPr algn="just"/>
+            <a:endParaRPr lang="en-US" dirty="0" smtClean="0"/>
+          </a:p>
+          <a:p>
+            <a:pPr algn="just"/>
+            <a:r>
+              <a:rPr lang="en-US" dirty="0"/>
+              <a:t>Lindley, S.E. 2011. Shades of lightweight: supporting cross-generational communication through home messaging. </a:t>
+            </a:r>
+            <a:r>
+              <a:rPr lang="en-US" i="1" dirty="0"/>
+              <a:t>Universal Access in the Information Society</a:t>
+            </a:r>
+            <a:r>
+              <a:rPr lang="en-US" dirty="0"/>
+              <a:t>. 11, 1 (Jun. 2011), 31–43</a:t>
+            </a:r>
+            <a:r>
+              <a:rPr lang="en-US" dirty="0" smtClean="0"/>
+              <a:t>.</a:t>
+            </a:r>
+          </a:p>
+          <a:p>
+            <a:pPr algn="just"/>
+            <a:endParaRPr lang="en-US" dirty="0"/>
+          </a:p>
+          <a:p>
+            <a:pPr algn="just"/>
+            <a:r>
+              <a:rPr lang="en-US" dirty="0"/>
+              <a:t>Swan, L. and Taylor, A.S. 2008. Photo displays in the home. </a:t>
+            </a:r>
+            <a:r>
+              <a:rPr lang="en-US" i="1" dirty="0"/>
+              <a:t>DIS ’08</a:t>
+            </a:r>
+            <a:r>
+              <a:rPr lang="en-US" dirty="0"/>
+              <a:t> (2008), 261–270.</a:t>
+            </a:r>
+          </a:p>
+          <a:p>
+            <a:pPr algn="just"/>
+            <a:endParaRPr lang="en-US" dirty="0"/>
+          </a:p>
+          <a:p>
+            <a:pPr algn="just"/>
+            <a:endParaRPr lang="en-US" dirty="0"/>
+          </a:p>
+          <a:p>
+            <a:pPr algn="just"/>
+            <a:endParaRPr lang="en-US" dirty="0"/>
+          </a:p>
+        </p:txBody>
+      </p:sp>
+    </p:spTree>
+    <p:extLst>
+      <p:ext uri="{BB962C8B-B14F-4D97-AF65-F5344CB8AC3E}">
+        <p14:creationId xmlns:p14="http://schemas.microsoft.com/office/powerpoint/2010/main" val="3977365225"/>
+      </p:ext>
+    </p:extLst>
+  </p:cSld>
+  <p:clrMapOvr>
+    <a:masterClrMapping/>
+  </p:clrMapOvr>
+</p:sld>
+</file>
+
 <file path=ppt/slides/slide2.xml><?xml version="1.0" encoding="utf-8"?>
 <p:sld xmlns:a="http://schemas.openxmlformats.org/drawingml/2006/main" xmlns:r="http://schemas.openxmlformats.org/officeDocument/2006/relationships" xmlns:p="http://schemas.openxmlformats.org/presentationml/2006/main">
   <p:cSld>
@@ -3521,9 +3849,16 @@
             <p:ph idx="1"/>
           </p:nvPr>
         </p:nvSpPr>
-        <p:spPr/>
-        <p:txBody>
-          <a:bodyPr/>
+        <p:spPr>
+          <a:xfrm>
+            <a:off x="457200" y="1676400"/>
+            <a:ext cx="5324444" cy="4525963"/>
+          </a:xfrm>
+        </p:spPr>
+        <p:txBody>
+          <a:bodyPr>
+            <a:normAutofit fontScale="62500" lnSpcReduction="20000"/>
+          </a:bodyPr>
           <a:lstStyle/>
           <a:p>
             <a:pPr marL="0" indent="0">
@@ -3531,36 +3866,109 @@
             </a:pPr>
             <a:r>
               <a:rPr lang="en-US" dirty="0" smtClean="0"/>
-              <a:t>ANSWER PROBLEM SOLVING? WHY SOLVING IT?</a:t>
-            </a:r>
+              <a:t>PROBLEM: </a:t>
+            </a:r>
+          </a:p>
+          <a:p>
+            <a:r>
+              <a:rPr lang="en-US" dirty="0"/>
+              <a:t>S</a:t>
+            </a:r>
+            <a:r>
+              <a:rPr lang="en-US" dirty="0" smtClean="0"/>
+              <a:t>eniors </a:t>
+            </a:r>
+            <a:r>
+              <a:rPr lang="en-US" dirty="0" smtClean="0"/>
+              <a:t>difficulty with computers and </a:t>
+            </a:r>
+            <a:r>
+              <a:rPr lang="en-US" dirty="0" smtClean="0"/>
+              <a:t>GUIs</a:t>
+            </a:r>
+          </a:p>
+          <a:p>
+            <a:r>
+              <a:rPr lang="en-US" dirty="0" smtClean="0"/>
+              <a:t>Need for customization to seniors different disabilities</a:t>
+            </a:r>
+            <a:endParaRPr lang="en-US" dirty="0"/>
+          </a:p>
+          <a:p>
+            <a:r>
+              <a:rPr lang="en-US" dirty="0"/>
+              <a:t>Lack of accessible communication platforms</a:t>
+            </a:r>
+          </a:p>
+          <a:p>
+            <a:endParaRPr lang="en-US" dirty="0" smtClean="0"/>
           </a:p>
           <a:p>
             <a:pPr marL="0" indent="0">
               <a:buNone/>
             </a:pPr>
+            <a:endParaRPr lang="en-US" dirty="0"/>
+          </a:p>
+          <a:p>
+            <a:pPr marL="0" indent="0">
+              <a:buNone/>
+            </a:pPr>
+            <a:r>
+              <a:rPr lang="en-US" dirty="0" smtClean="0"/>
+              <a:t>WHY SOLVE IT? </a:t>
+            </a:r>
+          </a:p>
+          <a:p>
+            <a:r>
+              <a:rPr lang="en-US" dirty="0" smtClean="0"/>
+              <a:t>Closing the digital communication gap enables open lines for remote family communication</a:t>
+            </a:r>
+          </a:p>
+          <a:p>
+            <a:r>
+              <a:rPr lang="en-US" dirty="0" smtClean="0"/>
+              <a:t>More social support </a:t>
+            </a:r>
+            <a:r>
+              <a:rPr lang="en-US" dirty="0" smtClean="0">
+                <a:sym typeface="Wingdings" panose="05000000000000000000" pitchFamily="2" charset="2"/>
+              </a:rPr>
+              <a:t> increased physical health</a:t>
+            </a:r>
             <a:endParaRPr lang="en-US" dirty="0" smtClean="0"/>
           </a:p>
-          <a:p>
-            <a:r>
-              <a:rPr lang="en-US" dirty="0" smtClean="0"/>
-              <a:t>Seniors difficulty with computers and GUIs</a:t>
-            </a:r>
-          </a:p>
-          <a:p>
-            <a:r>
-              <a:rPr lang="en-US" dirty="0" smtClean="0"/>
-              <a:t>Lack of accessible communication platforms</a:t>
-            </a:r>
-          </a:p>
-          <a:p>
-            <a:r>
-              <a:rPr lang="en-US" dirty="0" smtClean="0"/>
-              <a:t>Variety of abilities, need for customization</a:t>
-            </a:r>
-            <a:endParaRPr lang="en-US" dirty="0"/>
-          </a:p>
-        </p:txBody>
-      </p:sp>
+        </p:txBody>
+      </p:sp>
+      <p:pic>
+        <p:nvPicPr>
+          <p:cNvPr id="4" name="Picture 3"/>
+          <p:cNvPicPr>
+            <a:picLocks noChangeAspect="1"/>
+          </p:cNvPicPr>
+          <p:nvPr/>
+        </p:nvPicPr>
+        <p:blipFill>
+          <a:blip r:embed="rId2" cstate="print">
+            <a:extLst>
+              <a:ext uri="{28A0092B-C50C-407E-A947-70E740481C1C}">
+                <a14:useLocalDpi xmlns:a14="http://schemas.microsoft.com/office/drawing/2010/main" val="0"/>
+              </a:ext>
+            </a:extLst>
+          </a:blip>
+          <a:stretch>
+            <a:fillRect/>
+          </a:stretch>
+        </p:blipFill>
+        <p:spPr>
+          <a:xfrm>
+            <a:off x="5943600" y="2176143"/>
+            <a:ext cx="3001868" cy="2200914"/>
+          </a:xfrm>
+          <a:prstGeom prst="rect">
+            <a:avLst/>
+          </a:prstGeom>
+        </p:spPr>
+      </p:pic>
     </p:spTree>
     <p:extLst>
       <p:ext uri="{BB962C8B-B14F-4D97-AF65-F5344CB8AC3E}">
@@ -3616,7 +4024,7 @@
             <a:pPr algn="l"/>
             <a:r>
               <a:rPr lang="en-US" dirty="0" smtClean="0"/>
-              <a:t>Related Work</a:t>
+              <a:t>Photos for Seniors</a:t>
             </a:r>
             <a:endParaRPr lang="en-US" dirty="0"/>
           </a:p>
@@ -3632,43 +4040,120 @@
             <p:ph idx="1"/>
           </p:nvPr>
         </p:nvSpPr>
-        <p:spPr/>
-        <p:txBody>
-          <a:bodyPr/>
-          <a:lstStyle/>
-          <a:p>
-            <a:pPr marL="0" indent="0">
-              <a:buNone/>
-            </a:pPr>
+        <p:spPr>
+          <a:xfrm>
+            <a:off x="457200" y="1722437"/>
+            <a:ext cx="8229600" cy="4525963"/>
+          </a:xfrm>
+        </p:spPr>
+        <p:txBody>
+          <a:bodyPr>
+            <a:noAutofit/>
+          </a:bodyPr>
+          <a:lstStyle/>
+          <a:p>
             <a:r>
               <a:rPr lang="en-US" dirty="0" smtClean="0"/>
-              <a:t>ADD AUTHOR NAMES + YEARS, TYPE NAME OF DEVICE IN NOTES, ADD PAPERS FROM CLASS</a:t>
-            </a:r>
-          </a:p>
-          <a:p>
-            <a:endParaRPr lang="en-US" dirty="0"/>
+              <a:t>Case study with households of older adults</a:t>
+            </a:r>
           </a:p>
           <a:p>
             <a:r>
               <a:rPr lang="en-US" dirty="0" smtClean="0"/>
-              <a:t>Photos for seniors</a:t>
-            </a:r>
-          </a:p>
-          <a:p>
-            <a:r>
-              <a:rPr lang="en-US" dirty="0" smtClean="0"/>
-              <a:t>Interactive photo walls</a:t>
-            </a:r>
-          </a:p>
-          <a:p>
-            <a:r>
-              <a:rPr lang="en-US" dirty="0" smtClean="0"/>
-              <a:t>Lightweight communication platforms for seniors</a:t>
-            </a:r>
-            <a:endParaRPr lang="en-US" dirty="0"/>
-          </a:p>
-        </p:txBody>
-      </p:sp>
+              <a:t>Permanence of photo displays</a:t>
+            </a:r>
+          </a:p>
+        </p:txBody>
+      </p:sp>
+      <p:pic>
+        <p:nvPicPr>
+          <p:cNvPr id="5" name="Picture 4"/>
+          <p:cNvPicPr>
+            <a:picLocks noChangeAspect="1"/>
+          </p:cNvPicPr>
+          <p:nvPr/>
+        </p:nvPicPr>
+        <p:blipFill>
+          <a:blip r:embed="rId2"/>
+          <a:stretch>
+            <a:fillRect/>
+          </a:stretch>
+        </p:blipFill>
+        <p:spPr>
+          <a:xfrm>
+            <a:off x="3089462" y="3276600"/>
+            <a:ext cx="3124200" cy="3124200"/>
+          </a:xfrm>
+          <a:prstGeom prst="rect">
+            <a:avLst/>
+          </a:prstGeom>
+        </p:spPr>
+      </p:pic>
+      <p:pic>
+        <p:nvPicPr>
+          <p:cNvPr id="7" name="Picture 6"/>
+          <p:cNvPicPr>
+            <a:picLocks noChangeAspect="1"/>
+          </p:cNvPicPr>
+          <p:nvPr/>
+        </p:nvPicPr>
+        <p:blipFill>
+          <a:blip r:embed="rId3"/>
+          <a:stretch>
+            <a:fillRect/>
+          </a:stretch>
+        </p:blipFill>
+        <p:spPr>
+          <a:xfrm>
+            <a:off x="352425" y="3862387"/>
+            <a:ext cx="2619375" cy="1743075"/>
+          </a:xfrm>
+          <a:prstGeom prst="rect">
+            <a:avLst/>
+          </a:prstGeom>
+        </p:spPr>
+      </p:pic>
+      <p:pic>
+        <p:nvPicPr>
+          <p:cNvPr id="2056" name="Picture 8" descr="http://1.bp.blogspot.com/_RuE397--Fig/SpVCe2BOzxI/AAAAAAAAAdU/WVpP-I6A0l4/s400/IMG_9682+copy.jpg"/>
+          <p:cNvPicPr>
+            <a:picLocks noChangeAspect="1" noChangeArrowheads="1"/>
+          </p:cNvPicPr>
+          <p:nvPr/>
+        </p:nvPicPr>
+        <p:blipFill>
+          <a:blip r:embed="rId4">
+            <a:extLst>
+              <a:ext uri="{28A0092B-C50C-407E-A947-70E740481C1C}">
+                <a14:useLocalDpi xmlns:a14="http://schemas.microsoft.com/office/drawing/2010/main" val="0"/>
+              </a:ext>
+            </a:extLst>
+          </a:blip>
+          <a:srcRect/>
+          <a:stretch>
+            <a:fillRect/>
+          </a:stretch>
+        </p:blipFill>
+        <p:spPr bwMode="auto">
+          <a:xfrm>
+            <a:off x="6331324" y="3688682"/>
+            <a:ext cx="2355476" cy="2090486"/>
+          </a:xfrm>
+          <a:prstGeom prst="rect">
+            <a:avLst/>
+          </a:prstGeom>
+          <a:noFill/>
+          <a:extLst>
+            <a:ext uri="{909E8E84-426E-40DD-AFC4-6F175D3DCCD1}">
+              <a14:hiddenFill xmlns:a14="http://schemas.microsoft.com/office/drawing/2010/main">
+                <a:solidFill>
+                  <a:srgbClr val="FFFFFF"/>
+                </a:solidFill>
+              </a14:hiddenFill>
+            </a:ext>
+          </a:extLst>
+        </p:spPr>
+      </p:pic>
     </p:spTree>
     <p:extLst>
       <p:ext uri="{BB962C8B-B14F-4D97-AF65-F5344CB8AC3E}">
@@ -3724,6 +4209,385 @@
             <a:pPr algn="l"/>
             <a:r>
               <a:rPr lang="en-US" dirty="0" smtClean="0"/>
+              <a:t>Interactive Surfaces</a:t>
+            </a:r>
+            <a:endParaRPr lang="en-US" dirty="0"/>
+          </a:p>
+        </p:txBody>
+      </p:sp>
+      <p:sp>
+        <p:nvSpPr>
+          <p:cNvPr id="3" name="Content Placeholder 2"/>
+          <p:cNvSpPr>
+            <a:spLocks noGrp="1"/>
+          </p:cNvSpPr>
+          <p:nvPr>
+            <p:ph idx="1"/>
+          </p:nvPr>
+        </p:nvSpPr>
+        <p:spPr>
+          <a:xfrm>
+            <a:off x="457200" y="1722437"/>
+            <a:ext cx="8229600" cy="4525963"/>
+          </a:xfrm>
+        </p:spPr>
+        <p:txBody>
+          <a:bodyPr>
+            <a:noAutofit/>
+          </a:bodyPr>
+          <a:lstStyle/>
+          <a:p>
+            <a:r>
+              <a:rPr lang="en-US" dirty="0" smtClean="0"/>
+              <a:t>“Touch” walls, objects, or both for input (e.g. </a:t>
+            </a:r>
+            <a:r>
+              <a:rPr lang="en-US" dirty="0" err="1" smtClean="0"/>
+              <a:t>Skinput</a:t>
+            </a:r>
+            <a:r>
+              <a:rPr lang="en-US" dirty="0" smtClean="0"/>
+              <a:t>)</a:t>
+            </a:r>
+          </a:p>
+          <a:p>
+            <a:r>
+              <a:rPr lang="en-US" dirty="0" smtClean="0"/>
+              <a:t>Gesture interactions to control wall displays</a:t>
+            </a:r>
+          </a:p>
+        </p:txBody>
+      </p:sp>
+      <p:pic>
+        <p:nvPicPr>
+          <p:cNvPr id="3074" name="Picture 2" descr="http://chrisharrison.net/projects/skinput/images/TSS_7065med.jpg"/>
+          <p:cNvPicPr>
+            <a:picLocks noChangeAspect="1" noChangeArrowheads="1"/>
+          </p:cNvPicPr>
+          <p:nvPr/>
+        </p:nvPicPr>
+        <p:blipFill>
+          <a:blip r:embed="rId2">
+            <a:extLst>
+              <a:ext uri="{28A0092B-C50C-407E-A947-70E740481C1C}">
+                <a14:useLocalDpi xmlns:a14="http://schemas.microsoft.com/office/drawing/2010/main" val="0"/>
+              </a:ext>
+            </a:extLst>
+          </a:blip>
+          <a:srcRect/>
+          <a:stretch>
+            <a:fillRect/>
+          </a:stretch>
+        </p:blipFill>
+        <p:spPr bwMode="auto">
+          <a:xfrm>
+            <a:off x="914400" y="3497595"/>
+            <a:ext cx="3739242" cy="2481098"/>
+          </a:xfrm>
+          <a:prstGeom prst="rect">
+            <a:avLst/>
+          </a:prstGeom>
+          <a:noFill/>
+          <a:extLst>
+            <a:ext uri="{909E8E84-426E-40DD-AFC4-6F175D3DCCD1}">
+              <a14:hiddenFill xmlns:a14="http://schemas.microsoft.com/office/drawing/2010/main">
+                <a:solidFill>
+                  <a:srgbClr val="FFFFFF"/>
+                </a:solidFill>
+              </a14:hiddenFill>
+            </a:ext>
+          </a:extLst>
+        </p:spPr>
+      </p:pic>
+      <p:pic>
+        <p:nvPicPr>
+          <p:cNvPr id="3076" name="Picture 4" descr="https://encrypted-tbn0.gstatic.com/images?q=tbn:ANd9GcSTPr27KmERbqhtbiHk4EuV0zokTzPojcv1d0UhrLq0lpvKKKvD"/>
+          <p:cNvPicPr>
+            <a:picLocks noChangeAspect="1" noChangeArrowheads="1"/>
+          </p:cNvPicPr>
+          <p:nvPr/>
+        </p:nvPicPr>
+        <p:blipFill>
+          <a:blip r:embed="rId3">
+            <a:extLst>
+              <a:ext uri="{28A0092B-C50C-407E-A947-70E740481C1C}">
+                <a14:useLocalDpi xmlns:a14="http://schemas.microsoft.com/office/drawing/2010/main" val="0"/>
+              </a:ext>
+            </a:extLst>
+          </a:blip>
+          <a:srcRect/>
+          <a:stretch>
+            <a:fillRect/>
+          </a:stretch>
+        </p:blipFill>
+        <p:spPr bwMode="auto">
+          <a:xfrm>
+            <a:off x="5353138" y="3497595"/>
+            <a:ext cx="2794246" cy="2481098"/>
+          </a:xfrm>
+          <a:prstGeom prst="rect">
+            <a:avLst/>
+          </a:prstGeom>
+          <a:noFill/>
+          <a:extLst>
+            <a:ext uri="{909E8E84-426E-40DD-AFC4-6F175D3DCCD1}">
+              <a14:hiddenFill xmlns:a14="http://schemas.microsoft.com/office/drawing/2010/main">
+                <a:solidFill>
+                  <a:srgbClr val="FFFFFF"/>
+                </a:solidFill>
+              </a14:hiddenFill>
+            </a:ext>
+          </a:extLst>
+        </p:spPr>
+      </p:pic>
+    </p:spTree>
+    <p:extLst>
+      <p:ext uri="{BB962C8B-B14F-4D97-AF65-F5344CB8AC3E}">
+        <p14:creationId xmlns:p14="http://schemas.microsoft.com/office/powerpoint/2010/main" val="2445536723"/>
+      </p:ext>
+    </p:extLst>
+  </p:cSld>
+  <p:clrMapOvr>
+    <a:masterClrMapping/>
+  </p:clrMapOvr>
+  <p:timing>
+    <p:tnLst>
+      <p:par>
+        <p:cTn id="1" dur="indefinite" restart="never" nodeType="tmRoot"/>
+      </p:par>
+    </p:tnLst>
+  </p:timing>
+</p:sld>
+</file>
+
+<file path=ppt/slides/slide5.xml><?xml version="1.0" encoding="utf-8"?>
+<p:sld xmlns:a="http://schemas.openxmlformats.org/drawingml/2006/main" xmlns:r="http://schemas.openxmlformats.org/officeDocument/2006/relationships" xmlns:p="http://schemas.openxmlformats.org/presentationml/2006/main">
+  <p:cSld>
+    <p:spTree>
+      <p:nvGrpSpPr>
+        <p:cNvPr id="1" name=""/>
+        <p:cNvGrpSpPr/>
+        <p:nvPr/>
+      </p:nvGrpSpPr>
+      <p:grpSpPr>
+        <a:xfrm>
+          <a:off x="0" y="0"/>
+          <a:ext cx="0" cy="0"/>
+          <a:chOff x="0" y="0"/>
+          <a:chExt cx="0" cy="0"/>
+        </a:xfrm>
+      </p:grpSpPr>
+      <p:sp>
+        <p:nvSpPr>
+          <p:cNvPr id="2" name="Title 1"/>
+          <p:cNvSpPr>
+            <a:spLocks noGrp="1"/>
+          </p:cNvSpPr>
+          <p:nvPr>
+            <p:ph type="title"/>
+          </p:nvPr>
+        </p:nvSpPr>
+        <p:spPr/>
+        <p:txBody>
+          <a:bodyPr>
+            <a:normAutofit fontScale="90000"/>
+          </a:bodyPr>
+          <a:lstStyle/>
+          <a:p>
+            <a:pPr algn="l"/>
+            <a:r>
+              <a:rPr lang="en-US" dirty="0" smtClean="0"/>
+              <a:t>Lightweight messaging for seniors</a:t>
+            </a:r>
+            <a:endParaRPr lang="en-US" dirty="0"/>
+          </a:p>
+        </p:txBody>
+      </p:sp>
+      <p:sp>
+        <p:nvSpPr>
+          <p:cNvPr id="3" name="Content Placeholder 2"/>
+          <p:cNvSpPr>
+            <a:spLocks noGrp="1"/>
+          </p:cNvSpPr>
+          <p:nvPr>
+            <p:ph idx="1"/>
+          </p:nvPr>
+        </p:nvSpPr>
+        <p:spPr>
+          <a:xfrm>
+            <a:off x="457200" y="1722437"/>
+            <a:ext cx="8229600" cy="4525963"/>
+          </a:xfrm>
+        </p:spPr>
+        <p:txBody>
+          <a:bodyPr>
+            <a:noAutofit/>
+          </a:bodyPr>
+          <a:lstStyle/>
+          <a:p>
+            <a:r>
+              <a:rPr lang="en-US" dirty="0" smtClean="0"/>
+              <a:t>Augmenting photo frames to display messages, e.g. </a:t>
+            </a:r>
+            <a:r>
+              <a:rPr lang="en-US" dirty="0" err="1" smtClean="0"/>
+              <a:t>Tlatloque</a:t>
+            </a:r>
+            <a:endParaRPr lang="en-US" dirty="0" smtClean="0"/>
+          </a:p>
+          <a:p>
+            <a:r>
+              <a:rPr lang="en-US" dirty="0" smtClean="0"/>
+              <a:t>Situated message displays using photos and “scribbles”, e.g. </a:t>
+            </a:r>
+            <a:r>
+              <a:rPr lang="en-US" dirty="0" err="1" smtClean="0"/>
+              <a:t>Wavye</a:t>
+            </a:r>
+            <a:endParaRPr lang="en-US" dirty="0" smtClean="0"/>
+          </a:p>
+          <a:p>
+            <a:endParaRPr lang="en-US" dirty="0"/>
+          </a:p>
+        </p:txBody>
+      </p:sp>
+      <p:pic>
+        <p:nvPicPr>
+          <p:cNvPr id="4098" name="Picture 2" descr="http://research.microsoft.com/en-us/projects/wayve/WayveSketch.jpg"/>
+          <p:cNvPicPr>
+            <a:picLocks noChangeAspect="1" noChangeArrowheads="1"/>
+          </p:cNvPicPr>
+          <p:nvPr/>
+        </p:nvPicPr>
+        <p:blipFill>
+          <a:blip r:embed="rId2">
+            <a:extLst>
+              <a:ext uri="{28A0092B-C50C-407E-A947-70E740481C1C}">
+                <a14:useLocalDpi xmlns:a14="http://schemas.microsoft.com/office/drawing/2010/main" val="0"/>
+              </a:ext>
+            </a:extLst>
+          </a:blip>
+          <a:srcRect/>
+          <a:stretch>
+            <a:fillRect/>
+          </a:stretch>
+        </p:blipFill>
+        <p:spPr bwMode="auto">
+          <a:xfrm>
+            <a:off x="762000" y="4036968"/>
+            <a:ext cx="3219450" cy="2363832"/>
+          </a:xfrm>
+          <a:prstGeom prst="rect">
+            <a:avLst/>
+          </a:prstGeom>
+          <a:noFill/>
+          <a:extLst>
+            <a:ext uri="{909E8E84-426E-40DD-AFC4-6F175D3DCCD1}">
+              <a14:hiddenFill xmlns:a14="http://schemas.microsoft.com/office/drawing/2010/main">
+                <a:solidFill>
+                  <a:srgbClr val="FFFFFF"/>
+                </a:solidFill>
+              </a14:hiddenFill>
+            </a:ext>
+          </a:extLst>
+        </p:spPr>
+      </p:pic>
+      <p:pic>
+        <p:nvPicPr>
+          <p:cNvPr id="4100" name="Picture 4" descr="http://www.monicatentori.com/wp-content/uploads/2012/05/Screen-shot-2012-05-28-at-2.18.37-PM.png"/>
+          <p:cNvPicPr>
+            <a:picLocks noChangeAspect="1" noChangeArrowheads="1"/>
+          </p:cNvPicPr>
+          <p:nvPr/>
+        </p:nvPicPr>
+        <p:blipFill>
+          <a:blip r:embed="rId3">
+            <a:extLst>
+              <a:ext uri="{28A0092B-C50C-407E-A947-70E740481C1C}">
+                <a14:useLocalDpi xmlns:a14="http://schemas.microsoft.com/office/drawing/2010/main" val="0"/>
+              </a:ext>
+            </a:extLst>
+          </a:blip>
+          <a:srcRect/>
+          <a:stretch>
+            <a:fillRect/>
+          </a:stretch>
+        </p:blipFill>
+        <p:spPr bwMode="auto">
+          <a:xfrm>
+            <a:off x="4705099" y="4200524"/>
+            <a:ext cx="3209925" cy="1895476"/>
+          </a:xfrm>
+          <a:prstGeom prst="rect">
+            <a:avLst/>
+          </a:prstGeom>
+          <a:noFill/>
+          <a:extLst>
+            <a:ext uri="{909E8E84-426E-40DD-AFC4-6F175D3DCCD1}">
+              <a14:hiddenFill xmlns:a14="http://schemas.microsoft.com/office/drawing/2010/main">
+                <a:solidFill>
+                  <a:srgbClr val="FFFFFF"/>
+                </a:solidFill>
+              </a14:hiddenFill>
+            </a:ext>
+          </a:extLst>
+        </p:spPr>
+      </p:pic>
+    </p:spTree>
+    <p:extLst>
+      <p:ext uri="{BB962C8B-B14F-4D97-AF65-F5344CB8AC3E}">
+        <p14:creationId xmlns:p14="http://schemas.microsoft.com/office/powerpoint/2010/main" val="3182749080"/>
+      </p:ext>
+    </p:extLst>
+  </p:cSld>
+  <p:clrMapOvr>
+    <a:masterClrMapping/>
+  </p:clrMapOvr>
+  <p:timing>
+    <p:tnLst>
+      <p:par>
+        <p:cTn id="1" dur="indefinite" restart="never" nodeType="tmRoot"/>
+      </p:par>
+    </p:tnLst>
+  </p:timing>
+</p:sld>
+</file>
+
+<file path=ppt/slides/slide6.xml><?xml version="1.0" encoding="utf-8"?>
+<p:sld xmlns:a="http://schemas.openxmlformats.org/drawingml/2006/main" xmlns:r="http://schemas.openxmlformats.org/officeDocument/2006/relationships" xmlns:p="http://schemas.openxmlformats.org/presentationml/2006/main">
+  <p:cSld>
+    <p:spTree>
+      <p:nvGrpSpPr>
+        <p:cNvPr id="1" name=""/>
+        <p:cNvGrpSpPr/>
+        <p:nvPr/>
+      </p:nvGrpSpPr>
+      <p:grpSpPr>
+        <a:xfrm>
+          <a:off x="0" y="0"/>
+          <a:ext cx="0" cy="0"/>
+          <a:chOff x="0" y="0"/>
+          <a:chExt cx="0" cy="0"/>
+        </a:xfrm>
+      </p:grpSpPr>
+      <p:sp>
+        <p:nvSpPr>
+          <p:cNvPr id="2" name="Title 1"/>
+          <p:cNvSpPr>
+            <a:spLocks noGrp="1"/>
+          </p:cNvSpPr>
+          <p:nvPr>
+            <p:ph type="title"/>
+          </p:nvPr>
+        </p:nvSpPr>
+        <p:spPr/>
+        <p:txBody>
+          <a:bodyPr/>
+          <a:lstStyle/>
+          <a:p>
+            <a:pPr algn="l"/>
+            <a:r>
+              <a:rPr lang="en-US" dirty="0" smtClean="0"/>
               <a:t>Our Approach</a:t>
             </a:r>
             <a:endParaRPr lang="en-US" dirty="0"/>
@@ -3747,17 +4611,36 @@
           </a:xfrm>
         </p:spPr>
         <p:txBody>
-          <a:bodyPr/>
+          <a:bodyPr>
+            <a:normAutofit/>
+          </a:bodyPr>
           <a:lstStyle/>
           <a:p>
             <a:pPr marL="0" indent="0">
               <a:buNone/>
             </a:pPr>
+            <a:endParaRPr lang="en-US" dirty="0" smtClean="0"/>
+          </a:p>
+          <a:p>
+            <a:pPr marL="0" indent="0">
+              <a:buNone/>
+            </a:pPr>
             <a:r>
               <a:rPr lang="en-US" dirty="0" smtClean="0"/>
-              <a:t>WHAT’D WE DO? + WHY IS IT NOVEL?</a:t>
-            </a:r>
+              <a:t>Developed an interactive messaging system w/depth camera to enable sending of messages by augmenting photo displays on walls</a:t>
+            </a:r>
+          </a:p>
+          <a:p>
+            <a:pPr marL="0" indent="0">
+              <a:buNone/>
+            </a:pPr>
             <a:endParaRPr lang="en-US" dirty="0"/>
+          </a:p>
+          <a:p>
+            <a:pPr marL="0" indent="0">
+              <a:buNone/>
+            </a:pPr>
+            <a:endParaRPr lang="en-US" dirty="0" smtClean="0"/>
           </a:p>
         </p:txBody>
       </p:sp>
@@ -3823,7 +4706,7 @@
         </p:blipFill>
         <p:spPr bwMode="auto">
           <a:xfrm>
-            <a:off x="5867400" y="3429000"/>
+            <a:off x="5645818" y="2424906"/>
             <a:ext cx="3028950" cy="1514475"/>
           </a:xfrm>
           <a:prstGeom prst="rect">
@@ -3867,7 +4750,7 @@
 </p:sld>
 </file>
 
-<file path=ppt/slides/slide5.xml><?xml version="1.0" encoding="utf-8"?>
+<file path=ppt/slides/slide7.xml><?xml version="1.0" encoding="utf-8"?>
 <p:sld xmlns:a="http://schemas.openxmlformats.org/drawingml/2006/main" xmlns:r="http://schemas.openxmlformats.org/officeDocument/2006/relationships" xmlns:p="http://schemas.openxmlformats.org/presentationml/2006/main">
   <p:cSld>
     <p:spTree>
@@ -3902,7 +4785,7 @@
             <a:pPr algn="l"/>
             <a:r>
               <a:rPr lang="en-US" dirty="0" smtClean="0"/>
-              <a:t>Initial Designs</a:t>
+              <a:t>Contributions</a:t>
             </a:r>
             <a:endParaRPr lang="en-US" dirty="0"/>
           </a:p>
@@ -3923,13 +4806,61 @@
           <a:bodyPr/>
           <a:lstStyle/>
           <a:p>
-            <a:pPr marL="0" indent="0">
-              <a:buNone/>
+            <a:pPr marL="514350" indent="-514350">
+              <a:buAutoNum type="arabicPeriod"/>
             </a:pPr>
             <a:r>
               <a:rPr lang="en-US" dirty="0" smtClean="0"/>
-              <a:t>WHAT WE ORIGINALLY PITCHED</a:t>
-            </a:r>
+              <a:t>How </a:t>
+            </a:r>
+            <a:r>
+              <a:rPr lang="en-US" dirty="0"/>
+              <a:t>to </a:t>
+            </a:r>
+            <a:r>
+              <a:rPr lang="en-US" b="1" dirty="0"/>
+              <a:t>customize</a:t>
+            </a:r>
+            <a:r>
+              <a:rPr lang="en-US" dirty="0"/>
+              <a:t> whole-body gesture interactions to seniors with varying disabilities</a:t>
+            </a:r>
+          </a:p>
+          <a:p>
+            <a:pPr marL="514350" indent="-514350">
+              <a:buAutoNum type="arabicPeriod"/>
+            </a:pPr>
+            <a:r>
+              <a:rPr lang="en-US" dirty="0"/>
+              <a:t>Flexibly link </a:t>
+            </a:r>
+            <a:r>
+              <a:rPr lang="en-US" b="1" dirty="0"/>
+              <a:t>different modes</a:t>
+            </a:r>
+            <a:r>
+              <a:rPr lang="en-US" dirty="0"/>
+              <a:t> of lightweight messaging </a:t>
+            </a:r>
+          </a:p>
+          <a:p>
+            <a:pPr marL="514350" indent="-514350">
+              <a:buAutoNum type="arabicPeriod"/>
+            </a:pPr>
+            <a:r>
+              <a:rPr lang="en-US" dirty="0"/>
+              <a:t>Incorporate multiple </a:t>
+            </a:r>
+            <a:r>
+              <a:rPr lang="en-US" b="1" dirty="0"/>
+              <a:t>feedback</a:t>
+            </a:r>
+            <a:r>
+              <a:rPr lang="en-US" dirty="0"/>
+              <a:t> mechanisms</a:t>
+            </a:r>
+          </a:p>
+          <a:p>
             <a:endParaRPr lang="en-US" dirty="0"/>
           </a:p>
         </p:txBody>
@@ -3937,7 +4868,7 @@
     </p:spTree>
     <p:extLst>
       <p:ext uri="{BB962C8B-B14F-4D97-AF65-F5344CB8AC3E}">
-        <p14:creationId xmlns:p14="http://schemas.microsoft.com/office/powerpoint/2010/main" val="911311143"/>
+        <p14:creationId xmlns:p14="http://schemas.microsoft.com/office/powerpoint/2010/main" val="1127597963"/>
       </p:ext>
     </p:extLst>
   </p:cSld>
@@ -3947,7 +4878,7 @@
 </p:sld>
 </file>
 
-<file path=ppt/slides/slide6.xml><?xml version="1.0" encoding="utf-8"?>
+<file path=ppt/slides/slide8.xml><?xml version="1.0" encoding="utf-8"?>
 <p:sld xmlns:a="http://schemas.openxmlformats.org/drawingml/2006/main" xmlns:r="http://schemas.openxmlformats.org/officeDocument/2006/relationships" xmlns:p="http://schemas.openxmlformats.org/presentationml/2006/main">
   <p:cSld>
     <p:spTree>
@@ -3982,6 +4913,10 @@
             <a:pPr algn="l"/>
             <a:r>
               <a:rPr lang="en-US" dirty="0" smtClean="0"/>
+              <a:t>Initial </a:t>
+            </a:r>
+            <a:r>
+              <a:rPr lang="en-US" dirty="0" smtClean="0"/>
               <a:t>Pilot Study</a:t>
             </a:r>
             <a:endParaRPr lang="en-US" dirty="0"/>
@@ -3998,9 +4933,16 @@
             <p:ph idx="1"/>
           </p:nvPr>
         </p:nvSpPr>
-        <p:spPr/>
-        <p:txBody>
-          <a:bodyPr/>
+        <p:spPr>
+          <a:xfrm>
+            <a:off x="457200" y="1676400"/>
+            <a:ext cx="5155939" cy="4525963"/>
+          </a:xfrm>
+        </p:spPr>
+        <p:txBody>
+          <a:bodyPr>
+            <a:normAutofit fontScale="77500" lnSpcReduction="20000"/>
+          </a:bodyPr>
           <a:lstStyle/>
           <a:p>
             <a:pPr marL="0" indent="0">
@@ -4008,31 +4950,7 @@
             </a:pPr>
             <a:r>
               <a:rPr lang="en-US" dirty="0" smtClean="0"/>
-              <a:t>Tested in assisted living community</a:t>
-            </a:r>
-          </a:p>
-          <a:p>
-            <a:pPr marL="0" indent="0">
-              <a:buNone/>
-            </a:pPr>
-            <a:endParaRPr lang="en-US" dirty="0" smtClean="0"/>
-          </a:p>
-          <a:p>
-            <a:pPr marL="0" indent="0">
-              <a:buNone/>
-            </a:pPr>
-            <a:r>
-              <a:rPr lang="en-US" dirty="0" smtClean="0"/>
-              <a:t>Difficulty knowing if hand positioned over target</a:t>
-            </a:r>
-          </a:p>
-          <a:p>
-            <a:pPr marL="0" indent="0">
-              <a:buNone/>
-            </a:pPr>
-            <a:r>
-              <a:rPr lang="en-US" dirty="0" smtClean="0"/>
-              <a:t>Expectation for voice</a:t>
+              <a:t>Email with pre-set messages, audio as feedback, quadrant recognition</a:t>
             </a:r>
           </a:p>
           <a:p>
@@ -4047,16 +4965,229 @@
             </a:pPr>
             <a:r>
               <a:rPr lang="en-US" dirty="0" smtClean="0"/>
-              <a:t>Changes made/making: visual feedback, in future can incorporate voice</a:t>
-            </a:r>
+              <a:t>Tested with 3 users at an independent and assisted living community</a:t>
+            </a:r>
+          </a:p>
+          <a:p>
+            <a:pPr marL="0" indent="0">
+              <a:buNone/>
+            </a:pPr>
             <a:endParaRPr lang="en-US" dirty="0"/>
           </a:p>
-        </p:txBody>
-      </p:sp>
+          <a:p>
+            <a:pPr marL="0" indent="0">
+              <a:buNone/>
+            </a:pPr>
+            <a:r>
+              <a:rPr lang="en-US" dirty="0" smtClean="0"/>
+              <a:t>Feedback + observations:</a:t>
+            </a:r>
+          </a:p>
+          <a:p>
+            <a:r>
+              <a:rPr lang="en-US" dirty="0" smtClean="0"/>
+              <a:t>Difficult to kno</a:t>
+            </a:r>
+            <a:r>
+              <a:rPr lang="en-US" dirty="0" smtClean="0"/>
+              <a:t>w where to stand</a:t>
+            </a:r>
+          </a:p>
+          <a:p>
+            <a:r>
+              <a:rPr lang="en-US" dirty="0" smtClean="0"/>
+              <a:t>Expected voice input</a:t>
+            </a:r>
+          </a:p>
+          <a:p>
+            <a:r>
+              <a:rPr lang="en-US" dirty="0" smtClean="0"/>
+              <a:t>No feedback displayed on who the message was sent to</a:t>
+            </a:r>
+            <a:endParaRPr lang="en-US" dirty="0" smtClean="0"/>
+          </a:p>
+        </p:txBody>
+      </p:sp>
+      <p:pic>
+        <p:nvPicPr>
+          <p:cNvPr id="4" name="Picture 3"/>
+          <p:cNvPicPr>
+            <a:picLocks noChangeAspect="1"/>
+          </p:cNvPicPr>
+          <p:nvPr/>
+        </p:nvPicPr>
+        <p:blipFill>
+          <a:blip r:embed="rId2">
+            <a:extLst>
+              <a:ext uri="{28A0092B-C50C-407E-A947-70E740481C1C}">
+                <a14:useLocalDpi xmlns:a14="http://schemas.microsoft.com/office/drawing/2010/main" val="0"/>
+              </a:ext>
+            </a:extLst>
+          </a:blip>
+          <a:stretch>
+            <a:fillRect/>
+          </a:stretch>
+        </p:blipFill>
+        <p:spPr>
+          <a:xfrm>
+            <a:off x="5629181" y="2209800"/>
+            <a:ext cx="3360402" cy="2679030"/>
+          </a:xfrm>
+          <a:prstGeom prst="rect">
+            <a:avLst/>
+          </a:prstGeom>
+        </p:spPr>
+      </p:pic>
     </p:spTree>
     <p:extLst>
       <p:ext uri="{BB962C8B-B14F-4D97-AF65-F5344CB8AC3E}">
-        <p14:creationId xmlns:p14="http://schemas.microsoft.com/office/powerpoint/2010/main" val="2547542687"/>
+        <p14:creationId xmlns:p14="http://schemas.microsoft.com/office/powerpoint/2010/main" val="911311143"/>
+      </p:ext>
+    </p:extLst>
+  </p:cSld>
+  <p:clrMapOvr>
+    <a:masterClrMapping/>
+  </p:clrMapOvr>
+</p:sld>
+</file>
+
+<file path=ppt/slides/slide9.xml><?xml version="1.0" encoding="utf-8"?>
+<p:sld xmlns:a="http://schemas.openxmlformats.org/drawingml/2006/main" xmlns:r="http://schemas.openxmlformats.org/officeDocument/2006/relationships" xmlns:p="http://schemas.openxmlformats.org/presentationml/2006/main">
+  <p:cSld>
+    <p:spTree>
+      <p:nvGrpSpPr>
+        <p:cNvPr id="1" name=""/>
+        <p:cNvGrpSpPr/>
+        <p:nvPr/>
+      </p:nvGrpSpPr>
+      <p:grpSpPr>
+        <a:xfrm>
+          <a:off x="0" y="0"/>
+          <a:ext cx="0" cy="0"/>
+          <a:chOff x="0" y="0"/>
+          <a:chExt cx="0" cy="0"/>
+        </a:xfrm>
+      </p:grpSpPr>
+      <p:sp>
+        <p:nvSpPr>
+          <p:cNvPr id="2" name="Title 1"/>
+          <p:cNvSpPr>
+            <a:spLocks noGrp="1"/>
+          </p:cNvSpPr>
+          <p:nvPr>
+            <p:ph type="title"/>
+          </p:nvPr>
+        </p:nvSpPr>
+        <p:spPr/>
+        <p:txBody>
+          <a:bodyPr/>
+          <a:lstStyle/>
+          <a:p>
+            <a:pPr algn="l"/>
+            <a:r>
+              <a:rPr lang="en-US" dirty="0" smtClean="0"/>
+              <a:t>Current Implementation</a:t>
+            </a:r>
+            <a:endParaRPr lang="en-US" dirty="0"/>
+          </a:p>
+        </p:txBody>
+      </p:sp>
+      <p:sp>
+        <p:nvSpPr>
+          <p:cNvPr id="3" name="Content Placeholder 2"/>
+          <p:cNvSpPr>
+            <a:spLocks noGrp="1"/>
+          </p:cNvSpPr>
+          <p:nvPr>
+            <p:ph idx="1"/>
+          </p:nvPr>
+        </p:nvSpPr>
+        <p:spPr>
+          <a:xfrm>
+            <a:off x="457200" y="1676400"/>
+            <a:ext cx="5105400" cy="4525963"/>
+          </a:xfrm>
+        </p:spPr>
+        <p:txBody>
+          <a:bodyPr/>
+          <a:lstStyle/>
+          <a:p>
+            <a:endParaRPr lang="en-US" dirty="0" smtClean="0"/>
+          </a:p>
+          <a:p>
+            <a:r>
+              <a:rPr lang="en-US" dirty="0" smtClean="0"/>
+              <a:t>Pre-set messages, </a:t>
+            </a:r>
+          </a:p>
+          <a:p>
+            <a:r>
+              <a:rPr lang="en-US" dirty="0"/>
+              <a:t>F</a:t>
+            </a:r>
+            <a:r>
+              <a:rPr lang="en-US" dirty="0" smtClean="0"/>
+              <a:t>eedback as audio and visual </a:t>
+            </a:r>
+          </a:p>
+          <a:p>
+            <a:r>
+              <a:rPr lang="en-US" dirty="0" smtClean="0"/>
+              <a:t>Incorporates email and Twitter</a:t>
+            </a:r>
+          </a:p>
+          <a:p>
+            <a:r>
+              <a:rPr lang="en-US" dirty="0" smtClean="0"/>
+              <a:t>Quadrant system</a:t>
+            </a:r>
+          </a:p>
+        </p:txBody>
+      </p:sp>
+      <p:pic>
+        <p:nvPicPr>
+          <p:cNvPr id="4" name="Picture 3"/>
+          <p:cNvPicPr>
+            <a:picLocks noChangeAspect="1"/>
+          </p:cNvPicPr>
+          <p:nvPr/>
+        </p:nvPicPr>
+        <p:blipFill>
+          <a:blip r:embed="rId2" cstate="print">
+            <a:extLst>
+              <a:ext uri="{28A0092B-C50C-407E-A947-70E740481C1C}">
+                <a14:useLocalDpi xmlns:a14="http://schemas.microsoft.com/office/drawing/2010/main" val="0"/>
+              </a:ext>
+            </a:extLst>
+          </a:blip>
+          <a:stretch>
+            <a:fillRect/>
+          </a:stretch>
+        </p:blipFill>
+        <p:spPr>
+          <a:xfrm>
+            <a:off x="5105400" y="2438400"/>
+            <a:ext cx="3393586" cy="2821567"/>
+          </a:xfrm>
+          <a:prstGeom prst="rect">
+            <a:avLst/>
+          </a:prstGeom>
+          <a:ln>
+            <a:noFill/>
+          </a:ln>
+          <a:effectLst>
+            <a:outerShdw blurRad="292100" dist="139700" dir="2700000" algn="tl" rotWithShape="0">
+              <a:srgbClr val="333333">
+                <a:alpha val="65000"/>
+              </a:srgbClr>
+            </a:outerShdw>
+          </a:effectLst>
+        </p:spPr>
+      </p:pic>
+    </p:spTree>
+    <p:extLst>
+      <p:ext uri="{BB962C8B-B14F-4D97-AF65-F5344CB8AC3E}">
+        <p14:creationId xmlns:p14="http://schemas.microsoft.com/office/powerpoint/2010/main" val="2098211200"/>
       </p:ext>
     </p:extLst>
   </p:cSld>

--- a/525finalPres.pptx
+++ b/525finalPres.pptx
@@ -116,7 +116,7 @@
   </p:defaultTextStyle>
   <p:extLst>
     <p:ext uri="{EFAFB233-063F-42B5-8137-9DF3F51BA10A}">
-      <p15:sldGuideLst xmlns:p15="http://schemas.microsoft.com/office/powerpoint/2012/main">
+      <p15:sldGuideLst xmlns:p15="http://schemas.microsoft.com/office/powerpoint/2012/main" xmlns="">
         <p15:guide id="1" orient="horz" pos="2160">
           <p15:clr>
             <a:srgbClr val="A4A3A4"/>
@@ -314,7 +314,7 @@
           <a:p>
             <a:fld id="{F1D32C8C-09EF-4C68-9DB3-F53BA71DD700}" type="datetimeFigureOut">
               <a:rPr lang="en-US" smtClean="0"/>
-              <a:t>6/4/2014</a:t>
+              <a:t>6/5/2014</a:t>
             </a:fld>
             <a:endParaRPr lang="en-US"/>
           </a:p>
@@ -491,7 +491,7 @@
           <a:p>
             <a:fld id="{F1D32C8C-09EF-4C68-9DB3-F53BA71DD700}" type="datetimeFigureOut">
               <a:rPr lang="en-US" smtClean="0"/>
-              <a:t>6/4/2014</a:t>
+              <a:t>6/5/2014</a:t>
             </a:fld>
             <a:endParaRPr lang="en-US"/>
           </a:p>
@@ -671,7 +671,7 @@
           <a:p>
             <a:fld id="{F1D32C8C-09EF-4C68-9DB3-F53BA71DD700}" type="datetimeFigureOut">
               <a:rPr lang="en-US" smtClean="0"/>
-              <a:t>6/4/2014</a:t>
+              <a:t>6/5/2014</a:t>
             </a:fld>
             <a:endParaRPr lang="en-US"/>
           </a:p>
@@ -841,7 +841,7 @@
           <a:p>
             <a:fld id="{F1D32C8C-09EF-4C68-9DB3-F53BA71DD700}" type="datetimeFigureOut">
               <a:rPr lang="en-US" smtClean="0"/>
-              <a:t>6/4/2014</a:t>
+              <a:t>6/5/2014</a:t>
             </a:fld>
             <a:endParaRPr lang="en-US"/>
           </a:p>
@@ -1094,7 +1094,7 @@
           <a:p>
             <a:fld id="{F1D32C8C-09EF-4C68-9DB3-F53BA71DD700}" type="datetimeFigureOut">
               <a:rPr lang="en-US" smtClean="0"/>
-              <a:t>6/4/2014</a:t>
+              <a:t>6/5/2014</a:t>
             </a:fld>
             <a:endParaRPr lang="en-US"/>
           </a:p>
@@ -1382,7 +1382,7 @@
           <a:p>
             <a:fld id="{F1D32C8C-09EF-4C68-9DB3-F53BA71DD700}" type="datetimeFigureOut">
               <a:rPr lang="en-US" smtClean="0"/>
-              <a:t>6/4/2014</a:t>
+              <a:t>6/5/2014</a:t>
             </a:fld>
             <a:endParaRPr lang="en-US"/>
           </a:p>
@@ -1804,7 +1804,7 @@
           <a:p>
             <a:fld id="{F1D32C8C-09EF-4C68-9DB3-F53BA71DD700}" type="datetimeFigureOut">
               <a:rPr lang="en-US" smtClean="0"/>
-              <a:t>6/4/2014</a:t>
+              <a:t>6/5/2014</a:t>
             </a:fld>
             <a:endParaRPr lang="en-US"/>
           </a:p>
@@ -1922,7 +1922,7 @@
           <a:p>
             <a:fld id="{F1D32C8C-09EF-4C68-9DB3-F53BA71DD700}" type="datetimeFigureOut">
               <a:rPr lang="en-US" smtClean="0"/>
-              <a:t>6/4/2014</a:t>
+              <a:t>6/5/2014</a:t>
             </a:fld>
             <a:endParaRPr lang="en-US"/>
           </a:p>
@@ -2017,7 +2017,7 @@
           <a:p>
             <a:fld id="{F1D32C8C-09EF-4C68-9DB3-F53BA71DD700}" type="datetimeFigureOut">
               <a:rPr lang="en-US" smtClean="0"/>
-              <a:t>6/4/2014</a:t>
+              <a:t>6/5/2014</a:t>
             </a:fld>
             <a:endParaRPr lang="en-US"/>
           </a:p>
@@ -2294,7 +2294,7 @@
           <a:p>
             <a:fld id="{F1D32C8C-09EF-4C68-9DB3-F53BA71DD700}" type="datetimeFigureOut">
               <a:rPr lang="en-US" smtClean="0"/>
-              <a:t>6/4/2014</a:t>
+              <a:t>6/5/2014</a:t>
             </a:fld>
             <a:endParaRPr lang="en-US"/>
           </a:p>
@@ -2551,7 +2551,7 @@
           <a:p>
             <a:fld id="{F1D32C8C-09EF-4C68-9DB3-F53BA71DD700}" type="datetimeFigureOut">
               <a:rPr lang="en-US" smtClean="0"/>
-              <a:t>6/4/2014</a:t>
+              <a:t>6/5/2014</a:t>
             </a:fld>
             <a:endParaRPr lang="en-US"/>
           </a:p>
@@ -2764,7 +2764,7 @@
           <a:p>
             <a:fld id="{F1D32C8C-09EF-4C68-9DB3-F53BA71DD700}" type="datetimeFigureOut">
               <a:rPr lang="en-US" smtClean="0"/>
-              <a:t>6/4/2014</a:t>
+              <a:t>6/5/2014</a:t>
             </a:fld>
             <a:endParaRPr lang="en-US"/>
           </a:p>
@@ -3585,6 +3585,13 @@
   <p:clrMapOvr>
     <a:masterClrMapping/>
   </p:clrMapOvr>
+  <p:timing>
+    <p:tnLst>
+      <p:par>
+        <p:cTn id="1" dur="indefinite" restart="never" nodeType="tmRoot"/>
+      </p:par>
+    </p:tnLst>
+  </p:timing>
 </p:sld>
 </file>
 
@@ -3795,6 +3802,13 @@
   <p:clrMapOvr>
     <a:masterClrMapping/>
   </p:clrMapOvr>
+  <p:timing>
+    <p:tnLst>
+      <p:par>
+        <p:cTn id="1" dur="indefinite" restart="never" nodeType="tmRoot"/>
+      </p:par>
+    </p:tnLst>
+  </p:timing>
 </p:sld>
 </file>
 
@@ -3857,7 +3871,7 @@
         </p:spPr>
         <p:txBody>
           <a:bodyPr>
-            <a:normAutofit fontScale="62500" lnSpcReduction="20000"/>
+            <a:noAutofit/>
           </a:bodyPr>
           <a:lstStyle/>
           <a:p>
@@ -3865,77 +3879,81 @@
               <a:buNone/>
             </a:pPr>
             <a:r>
-              <a:rPr lang="en-US" dirty="0" smtClean="0"/>
+              <a:rPr lang="en-US" sz="2000" dirty="0" smtClean="0"/>
               <a:t>PROBLEM: </a:t>
             </a:r>
           </a:p>
           <a:p>
             <a:r>
-              <a:rPr lang="en-US" dirty="0"/>
+              <a:rPr lang="en-US" sz="2000" dirty="0"/>
               <a:t>S</a:t>
             </a:r>
             <a:r>
-              <a:rPr lang="en-US" dirty="0" smtClean="0"/>
-              <a:t>eniors </a:t>
-            </a:r>
-            <a:r>
-              <a:rPr lang="en-US" dirty="0" smtClean="0"/>
-              <a:t>difficulty with computers and </a:t>
-            </a:r>
-            <a:r>
-              <a:rPr lang="en-US" dirty="0" smtClean="0"/>
-              <a:t>GUIs</a:t>
-            </a:r>
-          </a:p>
-          <a:p>
-            <a:r>
-              <a:rPr lang="en-US" dirty="0" smtClean="0"/>
+              <a:rPr lang="en-US" sz="2000" dirty="0" smtClean="0"/>
+              <a:t>eniors difficulty with computers and GUIs</a:t>
+            </a:r>
+          </a:p>
+          <a:p>
+            <a:r>
+              <a:rPr lang="en-US" sz="2000" dirty="0" smtClean="0"/>
               <a:t>Need for customization to seniors different disabilities</a:t>
             </a:r>
-            <a:endParaRPr lang="en-US" dirty="0"/>
-          </a:p>
-          <a:p>
-            <a:r>
-              <a:rPr lang="en-US" dirty="0"/>
+            <a:endParaRPr lang="en-US" sz="2000" dirty="0"/>
+          </a:p>
+          <a:p>
+            <a:r>
+              <a:rPr lang="en-US" sz="2000" dirty="0"/>
               <a:t>Lack of accessible communication platforms</a:t>
             </a:r>
           </a:p>
           <a:p>
-            <a:endParaRPr lang="en-US" dirty="0" smtClean="0"/>
+            <a:endParaRPr lang="en-US" sz="2000" dirty="0" smtClean="0"/>
           </a:p>
           <a:p>
             <a:pPr marL="0" indent="0">
               <a:buNone/>
             </a:pPr>
-            <a:endParaRPr lang="en-US" dirty="0"/>
+            <a:endParaRPr lang="en-US" sz="2000" dirty="0"/>
           </a:p>
           <a:p>
             <a:pPr marL="0" indent="0">
               <a:buNone/>
             </a:pPr>
             <a:r>
-              <a:rPr lang="en-US" dirty="0" smtClean="0"/>
+              <a:rPr lang="en-US" sz="2000" dirty="0" smtClean="0"/>
               <a:t>WHY SOLVE IT? </a:t>
             </a:r>
           </a:p>
           <a:p>
             <a:r>
-              <a:rPr lang="en-US" dirty="0" smtClean="0"/>
+              <a:rPr lang="en-US" sz="2000" dirty="0" smtClean="0"/>
               <a:t>Closing the digital communication gap enables open lines for remote family communication</a:t>
             </a:r>
           </a:p>
           <a:p>
             <a:r>
-              <a:rPr lang="en-US" dirty="0" smtClean="0"/>
+              <a:rPr lang="en-US" sz="2000" dirty="0" smtClean="0"/>
               <a:t>More social support </a:t>
             </a:r>
             <a:r>
-              <a:rPr lang="en-US" dirty="0" smtClean="0">
+              <a:rPr lang="en-US" sz="2000" dirty="0" smtClean="0">
                 <a:sym typeface="Wingdings" panose="05000000000000000000" pitchFamily="2" charset="2"/>
               </a:rPr>
-              <a:t> increased physical health</a:t>
-            </a:r>
-            <a:endParaRPr lang="en-US" dirty="0" smtClean="0"/>
+              <a:t> increased </a:t>
+            </a:r>
+            <a:r>
+              <a:rPr lang="en-US" sz="2000" dirty="0" smtClean="0">
+                <a:sym typeface="Wingdings" panose="05000000000000000000" pitchFamily="2" charset="2"/>
+              </a:rPr>
+              <a:t>physical and mental </a:t>
+            </a:r>
+            <a:r>
+              <a:rPr lang="en-US" sz="2000" dirty="0" smtClean="0">
+                <a:sym typeface="Wingdings" panose="05000000000000000000" pitchFamily="2" charset="2"/>
+              </a:rPr>
+              <a:t>health</a:t>
+            </a:r>
+            <a:endParaRPr lang="en-US" sz="2000" dirty="0" smtClean="0"/>
           </a:p>
         </p:txBody>
       </p:sp>
@@ -4416,7 +4434,7 @@
         <p:spPr>
           <a:xfrm>
             <a:off x="457200" y="1722437"/>
-            <a:ext cx="8229600" cy="4525963"/>
+            <a:ext cx="4648200" cy="4525963"/>
           </a:xfrm>
         </p:spPr>
         <p:txBody>
@@ -4433,6 +4451,9 @@
               <a:rPr lang="en-US" dirty="0" err="1" smtClean="0"/>
               <a:t>Tlatloque</a:t>
             </a:r>
+            <a:endParaRPr lang="en-US" dirty="0" smtClean="0"/>
+          </a:p>
+          <a:p>
             <a:endParaRPr lang="en-US" dirty="0" smtClean="0"/>
           </a:p>
           <a:p>
@@ -4474,7 +4495,7 @@
         </p:blipFill>
         <p:spPr bwMode="auto">
           <a:xfrm>
-            <a:off x="762000" y="4036968"/>
+            <a:off x="5295219" y="3886200"/>
             <a:ext cx="3219450" cy="2363832"/>
           </a:xfrm>
           <a:prstGeom prst="rect">
@@ -4515,7 +4536,7 @@
         </p:blipFill>
         <p:spPr bwMode="auto">
           <a:xfrm>
-            <a:off x="4705099" y="4200524"/>
+            <a:off x="5257800" y="1676400"/>
             <a:ext cx="3209925" cy="1895476"/>
           </a:xfrm>
           <a:prstGeom prst="rect">
@@ -4747,6 +4768,13 @@
   <p:clrMapOvr>
     <a:masterClrMapping/>
   </p:clrMapOvr>
+  <p:timing>
+    <p:tnLst>
+      <p:par>
+        <p:cTn id="1" dur="indefinite" restart="never" nodeType="tmRoot"/>
+      </p:par>
+    </p:tnLst>
+  </p:timing>
 </p:sld>
 </file>
 
@@ -4875,6 +4903,13 @@
   <p:clrMapOvr>
     <a:masterClrMapping/>
   </p:clrMapOvr>
+  <p:timing>
+    <p:tnLst>
+      <p:par>
+        <p:cTn id="1" dur="indefinite" restart="never" nodeType="tmRoot"/>
+      </p:par>
+    </p:tnLst>
+  </p:timing>
 </p:sld>
 </file>
 
@@ -4913,11 +4948,7 @@
             <a:pPr algn="l"/>
             <a:r>
               <a:rPr lang="en-US" dirty="0" smtClean="0"/>
-              <a:t>Initial </a:t>
-            </a:r>
-            <a:r>
-              <a:rPr lang="en-US" dirty="0" smtClean="0"/>
-              <a:t>Pilot Study</a:t>
+              <a:t>Initial Pilot Study</a:t>
             </a:r>
             <a:endParaRPr lang="en-US" dirty="0"/>
           </a:p>
@@ -4986,11 +5017,7 @@
           <a:p>
             <a:r>
               <a:rPr lang="en-US" dirty="0" smtClean="0"/>
-              <a:t>Difficult to kno</a:t>
-            </a:r>
-            <a:r>
-              <a:rPr lang="en-US" dirty="0" smtClean="0"/>
-              <a:t>w where to stand</a:t>
+              <a:t>Difficult to know where to stand</a:t>
             </a:r>
           </a:p>
           <a:p>
@@ -5004,7 +5031,6 @@
               <a:rPr lang="en-US" dirty="0" smtClean="0"/>
               <a:t>No feedback displayed on who the message was sent to</a:t>
             </a:r>
-            <a:endParaRPr lang="en-US" dirty="0" smtClean="0"/>
           </a:p>
         </p:txBody>
       </p:sp>
@@ -5048,6 +5074,13 @@
   <p:clrMapOvr>
     <a:masterClrMapping/>
   </p:clrMapOvr>
+  <p:timing>
+    <p:tnLst>
+      <p:par>
+        <p:cTn id="1" dur="indefinite" restart="never" nodeType="tmRoot"/>
+      </p:par>
+    </p:tnLst>
+  </p:timing>
 </p:sld>
 </file>
 
@@ -5194,6 +5227,13 @@
   <p:clrMapOvr>
     <a:masterClrMapping/>
   </p:clrMapOvr>
+  <p:timing>
+    <p:tnLst>
+      <p:par>
+        <p:cTn id="1" dur="indefinite" restart="never" nodeType="tmRoot"/>
+      </p:par>
+    </p:tnLst>
+  </p:timing>
 </p:sld>
 </file>
 
